--- a/assets/slides/Semana2-30-06-2024.pptx
+++ b/assets/slides/Semana2-30-06-2024.pptx
@@ -3643,7 +3643,7 @@
         </p:blipFill>
         <p:spPr>
           <a:xfrm>
-            <a:off x="2679700" y="1662389"/>
+            <a:off x="2551058" y="1616090"/>
             <a:ext cx="6832600" cy="5004157"/>
           </a:xfrm>
           <a:prstGeom prst="rect">
@@ -4361,7 +4361,7 @@
         </p:blipFill>
         <p:spPr>
           <a:xfrm>
-            <a:off x="118273" y="3189861"/>
+            <a:off x="188802" y="3208536"/>
             <a:ext cx="3808268" cy="2658067"/>
           </a:xfrm>
           <a:prstGeom prst="rect">
@@ -4391,7 +4391,7 @@
         </p:blipFill>
         <p:spPr>
           <a:xfrm>
-            <a:off x="7068652" y="3183612"/>
+            <a:off x="7019585" y="3273177"/>
             <a:ext cx="4827969" cy="2528786"/>
           </a:xfrm>
           <a:prstGeom prst="rect">
@@ -8400,7 +8400,7 @@
         </p:nvSpPr>
         <p:spPr>
           <a:xfrm>
-            <a:off x="1194099" y="677732"/>
+            <a:off x="626939" y="851352"/>
             <a:ext cx="4647303" cy="1065007"/>
           </a:xfrm>
           <a:prstGeom prst="roundRect">
@@ -8479,56 +8479,7 @@
             <a:pPr algn="ctr"/>
             <a:r>
               <a:rPr lang="en-BR" dirty="0"/>
-              <a:t>Quando criamos uma landing zone, a criação de uma conta de logs e outra de auditoria é automático (presentes na security OU)</a:t>
-            </a:r>
-          </a:p>
-        </p:txBody>
-      </p:sp>
-      <p:sp>
-        <p:nvSpPr>
-          <p:cNvPr id="7" name="Rounded Rectangle 6">
-            <a:extLst>
-              <a:ext uri="{FF2B5EF4-FFF2-40B4-BE49-F238E27FC236}">
-                <a16:creationId xmlns:a16="http://schemas.microsoft.com/office/drawing/2014/main" id="{59108A24-5199-4E11-137B-85E44335B38D}"/>
-              </a:ext>
-            </a:extLst>
-          </p:cNvPr>
-          <p:cNvSpPr/>
-          <p:nvPr/>
-        </p:nvSpPr>
-        <p:spPr>
-          <a:xfrm>
-            <a:off x="6987453" y="5298139"/>
-            <a:ext cx="4647303" cy="1065007"/>
-          </a:xfrm>
-          <a:prstGeom prst="roundRect">
-            <a:avLst/>
-          </a:prstGeom>
-        </p:spPr>
-        <p:style>
-          <a:lnRef idx="2">
-            <a:schemeClr val="accent1">
-              <a:shade val="15000"/>
-            </a:schemeClr>
-          </a:lnRef>
-          <a:fillRef idx="1">
-            <a:schemeClr val="accent1"/>
-          </a:fillRef>
-          <a:effectRef idx="0">
-            <a:schemeClr val="accent1"/>
-          </a:effectRef>
-          <a:fontRef idx="minor">
-            <a:schemeClr val="lt1"/>
-          </a:fontRef>
-        </p:style>
-        <p:txBody>
-          <a:bodyPr rtlCol="0" anchor="ctr"/>
-          <a:lstStyle/>
-          <a:p>
-            <a:pPr algn="ctr"/>
-            <a:r>
-              <a:rPr lang="en-BR" dirty="0"/>
-              <a:t>Quando criamos uma landing zone, a criação de duas OUs (security e sandbox) é automático</a:t>
+              <a:t>Quando criamos uma landing zone, a criação de uma conta de logs e outra de auditoria é automática (presentes na security OU)</a:t>
             </a:r>
           </a:p>
         </p:txBody>
@@ -8593,50 +8544,8 @@
         </p:nvCxnSpPr>
         <p:spPr>
           <a:xfrm flipH="1" flipV="1">
-            <a:off x="3517751" y="1742739"/>
-            <a:ext cx="2165510" cy="2024500"/>
-          </a:xfrm>
-          <a:prstGeom prst="straightConnector1">
-            <a:avLst/>
-          </a:prstGeom>
-          <a:ln>
-            <a:tailEnd type="triangle"/>
-          </a:ln>
-        </p:spPr>
-        <p:style>
-          <a:lnRef idx="2">
-            <a:schemeClr val="accent1"/>
-          </a:lnRef>
-          <a:fillRef idx="0">
-            <a:schemeClr val="accent1"/>
-          </a:fillRef>
-          <a:effectRef idx="1">
-            <a:schemeClr val="accent1"/>
-          </a:effectRef>
-          <a:fontRef idx="minor">
-            <a:schemeClr val="tx1"/>
-          </a:fontRef>
-        </p:style>
-      </p:cxnSp>
-      <p:cxnSp>
-        <p:nvCxnSpPr>
-          <p:cNvPr id="13" name="Straight Arrow Connector 12">
-            <a:extLst>
-              <a:ext uri="{FF2B5EF4-FFF2-40B4-BE49-F238E27FC236}">
-                <a16:creationId xmlns:a16="http://schemas.microsoft.com/office/drawing/2014/main" id="{76781B81-2C2A-5E39-E537-EBD4CB0F33DF}"/>
-              </a:ext>
-            </a:extLst>
-          </p:cNvPr>
-          <p:cNvCxnSpPr>
-            <a:cxnSpLocks/>
-            <a:stCxn id="4" idx="3"/>
-          </p:cNvCxnSpPr>
-          <p:nvPr/>
-        </p:nvCxnSpPr>
-        <p:spPr>
-          <a:xfrm>
-            <a:off x="6508738" y="3767239"/>
-            <a:ext cx="2914961" cy="1530900"/>
+            <a:off x="2950591" y="1916359"/>
+            <a:ext cx="2732670" cy="1850880"/>
           </a:xfrm>
           <a:prstGeom prst="straightConnector1">
             <a:avLst/>
@@ -11189,8 +11098,8 @@
         </p:blipFill>
         <p:spPr>
           <a:xfrm>
-            <a:off x="723900" y="3689874"/>
-            <a:ext cx="10744200" cy="1701354"/>
+            <a:off x="828675" y="3429000"/>
+            <a:ext cx="10639425" cy="1684763"/>
           </a:xfrm>
           <a:prstGeom prst="rect">
             <a:avLst/>
@@ -11250,7 +11159,7 @@
               <a:t>“</a:t>
             </a:r>
             <a:r>
-              <a:rPr lang="en-US" b="0" i="0" u="none" strike="noStrike" dirty="0">
+              <a:rPr lang="en-US" b="0" i="0" u="none" strike="noStrike" noProof="1">
                 <a:solidFill>
                   <a:srgbClr val="16191F"/>
                 </a:solidFill>
@@ -11260,10 +11169,10 @@
                 </a:highlight>
                 <a:latin typeface="Amazon Ember"/>
               </a:rPr>
-              <a:t>As </a:t>
-            </a:r>
-            <a:r>
-              <a:rPr lang="en-US" b="0" i="0" u="none" strike="noStrike" dirty="0" err="1">
+              <a:t>As políticas de controle de serviço (SCPs) são um tipo de política organizacional que você pode usar para gerenciar permissões na sua organização. Os SCPs oferecem controle central sobre o máximo de permissões disponíveis para os usuários e funções do IAM na sua organização. As SCPs ajudam você a garantir que as suas contas permaneçam dentro das diretrizes de controle de acesso da sua organização. </a:t>
+            </a:r>
+            <a:r>
+              <a:rPr lang="en-US" b="0" i="0" u="none" strike="noStrike" dirty="0">
                 <a:solidFill>
                   <a:srgbClr val="16191F"/>
                 </a:solidFill>
@@ -11273,956 +11182,7 @@
                 </a:highlight>
                 <a:latin typeface="Amazon Ember"/>
               </a:rPr>
-              <a:t>políticas</a:t>
-            </a:r>
-            <a:r>
-              <a:rPr lang="en-US" b="0" i="0" u="none" strike="noStrike" dirty="0">
-                <a:solidFill>
-                  <a:srgbClr val="16191F"/>
-                </a:solidFill>
-                <a:effectLst/>
-                <a:highlight>
-                  <a:srgbClr val="FFFFFF"/>
-                </a:highlight>
-                <a:latin typeface="Amazon Ember"/>
-              </a:rPr>
-              <a:t> de </a:t>
-            </a:r>
-            <a:r>
-              <a:rPr lang="en-US" b="0" i="0" u="none" strike="noStrike" dirty="0" err="1">
-                <a:solidFill>
-                  <a:srgbClr val="16191F"/>
-                </a:solidFill>
-                <a:effectLst/>
-                <a:highlight>
-                  <a:srgbClr val="FFFFFF"/>
-                </a:highlight>
-                <a:latin typeface="Amazon Ember"/>
-              </a:rPr>
-              <a:t>controle</a:t>
-            </a:r>
-            <a:r>
-              <a:rPr lang="en-US" b="0" i="0" u="none" strike="noStrike" dirty="0">
-                <a:solidFill>
-                  <a:srgbClr val="16191F"/>
-                </a:solidFill>
-                <a:effectLst/>
-                <a:highlight>
-                  <a:srgbClr val="FFFFFF"/>
-                </a:highlight>
-                <a:latin typeface="Amazon Ember"/>
-              </a:rPr>
-              <a:t> de </a:t>
-            </a:r>
-            <a:r>
-              <a:rPr lang="en-US" b="0" i="0" u="none" strike="noStrike" dirty="0" err="1">
-                <a:solidFill>
-                  <a:srgbClr val="16191F"/>
-                </a:solidFill>
-                <a:effectLst/>
-                <a:highlight>
-                  <a:srgbClr val="FFFFFF"/>
-                </a:highlight>
-                <a:latin typeface="Amazon Ember"/>
-              </a:rPr>
-              <a:t>serviço</a:t>
-            </a:r>
-            <a:r>
-              <a:rPr lang="en-US" b="0" i="0" u="none" strike="noStrike" dirty="0">
-                <a:solidFill>
-                  <a:srgbClr val="16191F"/>
-                </a:solidFill>
-                <a:effectLst/>
-                <a:highlight>
-                  <a:srgbClr val="FFFFFF"/>
-                </a:highlight>
-                <a:latin typeface="Amazon Ember"/>
-              </a:rPr>
-              <a:t> (SCPs) </a:t>
-            </a:r>
-            <a:r>
-              <a:rPr lang="en-US" b="0" i="0" u="none" strike="noStrike" dirty="0" err="1">
-                <a:solidFill>
-                  <a:srgbClr val="16191F"/>
-                </a:solidFill>
-                <a:effectLst/>
-                <a:highlight>
-                  <a:srgbClr val="FFFFFF"/>
-                </a:highlight>
-                <a:latin typeface="Amazon Ember"/>
-              </a:rPr>
-              <a:t>são</a:t>
-            </a:r>
-            <a:r>
-              <a:rPr lang="en-US" b="0" i="0" u="none" strike="noStrike" dirty="0">
-                <a:solidFill>
-                  <a:srgbClr val="16191F"/>
-                </a:solidFill>
-                <a:effectLst/>
-                <a:highlight>
-                  <a:srgbClr val="FFFFFF"/>
-                </a:highlight>
-                <a:latin typeface="Amazon Ember"/>
-              </a:rPr>
-              <a:t> um </a:t>
-            </a:r>
-            <a:r>
-              <a:rPr lang="en-US" b="0" i="0" u="none" strike="noStrike" dirty="0" err="1">
-                <a:solidFill>
-                  <a:srgbClr val="16191F"/>
-                </a:solidFill>
-                <a:effectLst/>
-                <a:highlight>
-                  <a:srgbClr val="FFFFFF"/>
-                </a:highlight>
-                <a:latin typeface="Amazon Ember"/>
-              </a:rPr>
-              <a:t>tipo</a:t>
-            </a:r>
-            <a:r>
-              <a:rPr lang="en-US" b="0" i="0" u="none" strike="noStrike" dirty="0">
-                <a:solidFill>
-                  <a:srgbClr val="16191F"/>
-                </a:solidFill>
-                <a:effectLst/>
-                <a:highlight>
-                  <a:srgbClr val="FFFFFF"/>
-                </a:highlight>
-                <a:latin typeface="Amazon Ember"/>
-              </a:rPr>
-              <a:t> de </a:t>
-            </a:r>
-            <a:r>
-              <a:rPr lang="en-US" b="0" i="0" u="none" strike="noStrike" dirty="0" err="1">
-                <a:solidFill>
-                  <a:srgbClr val="16191F"/>
-                </a:solidFill>
-                <a:effectLst/>
-                <a:highlight>
-                  <a:srgbClr val="FFFFFF"/>
-                </a:highlight>
-                <a:latin typeface="Amazon Ember"/>
-              </a:rPr>
-              <a:t>política</a:t>
-            </a:r>
-            <a:r>
-              <a:rPr lang="en-US" b="0" i="0" u="none" strike="noStrike" dirty="0">
-                <a:solidFill>
-                  <a:srgbClr val="16191F"/>
-                </a:solidFill>
-                <a:effectLst/>
-                <a:highlight>
-                  <a:srgbClr val="FFFFFF"/>
-                </a:highlight>
-                <a:latin typeface="Amazon Ember"/>
-              </a:rPr>
-              <a:t> </a:t>
-            </a:r>
-            <a:r>
-              <a:rPr lang="en-US" b="0" i="0" u="none" strike="noStrike" dirty="0" err="1">
-                <a:solidFill>
-                  <a:srgbClr val="16191F"/>
-                </a:solidFill>
-                <a:effectLst/>
-                <a:highlight>
-                  <a:srgbClr val="FFFFFF"/>
-                </a:highlight>
-                <a:latin typeface="Amazon Ember"/>
-              </a:rPr>
-              <a:t>organizacional</a:t>
-            </a:r>
-            <a:r>
-              <a:rPr lang="en-US" b="0" i="0" u="none" strike="noStrike" dirty="0">
-                <a:solidFill>
-                  <a:srgbClr val="16191F"/>
-                </a:solidFill>
-                <a:effectLst/>
-                <a:highlight>
-                  <a:srgbClr val="FFFFFF"/>
-                </a:highlight>
-                <a:latin typeface="Amazon Ember"/>
-              </a:rPr>
-              <a:t> que você </a:t>
-            </a:r>
-            <a:r>
-              <a:rPr lang="en-US" b="0" i="0" u="none" strike="noStrike" dirty="0" err="1">
-                <a:solidFill>
-                  <a:srgbClr val="16191F"/>
-                </a:solidFill>
-                <a:effectLst/>
-                <a:highlight>
-                  <a:srgbClr val="FFFFFF"/>
-                </a:highlight>
-                <a:latin typeface="Amazon Ember"/>
-              </a:rPr>
-              <a:t>pode</a:t>
-            </a:r>
-            <a:r>
-              <a:rPr lang="en-US" b="0" i="0" u="none" strike="noStrike" dirty="0">
-                <a:solidFill>
-                  <a:srgbClr val="16191F"/>
-                </a:solidFill>
-                <a:effectLst/>
-                <a:highlight>
-                  <a:srgbClr val="FFFFFF"/>
-                </a:highlight>
-                <a:latin typeface="Amazon Ember"/>
-              </a:rPr>
-              <a:t> usar para </a:t>
-            </a:r>
-            <a:r>
-              <a:rPr lang="en-US" b="0" i="0" u="none" strike="noStrike" dirty="0" err="1">
-                <a:solidFill>
-                  <a:srgbClr val="16191F"/>
-                </a:solidFill>
-                <a:effectLst/>
-                <a:highlight>
-                  <a:srgbClr val="FFFFFF"/>
-                </a:highlight>
-                <a:latin typeface="Amazon Ember"/>
-              </a:rPr>
-              <a:t>gerenciar</a:t>
-            </a:r>
-            <a:r>
-              <a:rPr lang="en-US" b="0" i="0" u="none" strike="noStrike" dirty="0">
-                <a:solidFill>
-                  <a:srgbClr val="16191F"/>
-                </a:solidFill>
-                <a:effectLst/>
-                <a:highlight>
-                  <a:srgbClr val="FFFFFF"/>
-                </a:highlight>
-                <a:latin typeface="Amazon Ember"/>
-              </a:rPr>
-              <a:t> </a:t>
-            </a:r>
-            <a:r>
-              <a:rPr lang="en-US" b="0" i="0" u="none" strike="noStrike" dirty="0" err="1">
-                <a:solidFill>
-                  <a:srgbClr val="16191F"/>
-                </a:solidFill>
-                <a:effectLst/>
-                <a:highlight>
-                  <a:srgbClr val="FFFFFF"/>
-                </a:highlight>
-                <a:latin typeface="Amazon Ember"/>
-              </a:rPr>
-              <a:t>permissões</a:t>
-            </a:r>
-            <a:r>
-              <a:rPr lang="en-US" b="0" i="0" u="none" strike="noStrike" dirty="0">
-                <a:solidFill>
-                  <a:srgbClr val="16191F"/>
-                </a:solidFill>
-                <a:effectLst/>
-                <a:highlight>
-                  <a:srgbClr val="FFFFFF"/>
-                </a:highlight>
-                <a:latin typeface="Amazon Ember"/>
-              </a:rPr>
-              <a:t> </a:t>
-            </a:r>
-            <a:r>
-              <a:rPr lang="en-US" b="0" i="0" u="none" strike="noStrike" dirty="0" err="1">
-                <a:solidFill>
-                  <a:srgbClr val="16191F"/>
-                </a:solidFill>
-                <a:effectLst/>
-                <a:highlight>
-                  <a:srgbClr val="FFFFFF"/>
-                </a:highlight>
-                <a:latin typeface="Amazon Ember"/>
-              </a:rPr>
-              <a:t>na</a:t>
-            </a:r>
-            <a:r>
-              <a:rPr lang="en-US" b="0" i="0" u="none" strike="noStrike" dirty="0">
-                <a:solidFill>
-                  <a:srgbClr val="16191F"/>
-                </a:solidFill>
-                <a:effectLst/>
-                <a:highlight>
-                  <a:srgbClr val="FFFFFF"/>
-                </a:highlight>
-                <a:latin typeface="Amazon Ember"/>
-              </a:rPr>
-              <a:t> </a:t>
-            </a:r>
-            <a:r>
-              <a:rPr lang="en-US" b="0" i="0" u="none" strike="noStrike" dirty="0" err="1">
-                <a:solidFill>
-                  <a:srgbClr val="16191F"/>
-                </a:solidFill>
-                <a:effectLst/>
-                <a:highlight>
-                  <a:srgbClr val="FFFFFF"/>
-                </a:highlight>
-                <a:latin typeface="Amazon Ember"/>
-              </a:rPr>
-              <a:t>sua</a:t>
-            </a:r>
-            <a:r>
-              <a:rPr lang="en-US" b="0" i="0" u="none" strike="noStrike" dirty="0">
-                <a:solidFill>
-                  <a:srgbClr val="16191F"/>
-                </a:solidFill>
-                <a:effectLst/>
-                <a:highlight>
-                  <a:srgbClr val="FFFFFF"/>
-                </a:highlight>
-                <a:latin typeface="Amazon Ember"/>
-              </a:rPr>
-              <a:t> </a:t>
-            </a:r>
-            <a:r>
-              <a:rPr lang="en-US" b="0" i="0" u="none" strike="noStrike" dirty="0" err="1">
-                <a:solidFill>
-                  <a:srgbClr val="16191F"/>
-                </a:solidFill>
-                <a:effectLst/>
-                <a:highlight>
-                  <a:srgbClr val="FFFFFF"/>
-                </a:highlight>
-                <a:latin typeface="Amazon Ember"/>
-              </a:rPr>
-              <a:t>organização</a:t>
-            </a:r>
-            <a:r>
-              <a:rPr lang="en-US" b="0" i="0" u="none" strike="noStrike" dirty="0">
-                <a:solidFill>
-                  <a:srgbClr val="16191F"/>
-                </a:solidFill>
-                <a:effectLst/>
-                <a:highlight>
-                  <a:srgbClr val="FFFFFF"/>
-                </a:highlight>
-                <a:latin typeface="Amazon Ember"/>
-              </a:rPr>
-              <a:t>. </a:t>
-            </a:r>
-            <a:r>
-              <a:rPr lang="en-US" b="0" i="0" u="none" strike="noStrike" dirty="0" err="1">
-                <a:solidFill>
-                  <a:srgbClr val="16191F"/>
-                </a:solidFill>
-                <a:effectLst/>
-                <a:highlight>
-                  <a:srgbClr val="FFFFFF"/>
-                </a:highlight>
-                <a:latin typeface="Amazon Ember"/>
-              </a:rPr>
-              <a:t>Os</a:t>
-            </a:r>
-            <a:r>
-              <a:rPr lang="en-US" b="0" i="0" u="none" strike="noStrike" dirty="0">
-                <a:solidFill>
-                  <a:srgbClr val="16191F"/>
-                </a:solidFill>
-                <a:effectLst/>
-                <a:highlight>
-                  <a:srgbClr val="FFFFFF"/>
-                </a:highlight>
-                <a:latin typeface="Amazon Ember"/>
-              </a:rPr>
-              <a:t> SCPs </a:t>
-            </a:r>
-            <a:r>
-              <a:rPr lang="en-US" b="0" i="0" u="none" strike="noStrike" dirty="0" err="1">
-                <a:solidFill>
-                  <a:srgbClr val="16191F"/>
-                </a:solidFill>
-                <a:effectLst/>
-                <a:highlight>
-                  <a:srgbClr val="FFFFFF"/>
-                </a:highlight>
-                <a:latin typeface="Amazon Ember"/>
-              </a:rPr>
-              <a:t>oferecem</a:t>
-            </a:r>
-            <a:r>
-              <a:rPr lang="en-US" b="0" i="0" u="none" strike="noStrike" dirty="0">
-                <a:solidFill>
-                  <a:srgbClr val="16191F"/>
-                </a:solidFill>
-                <a:effectLst/>
-                <a:highlight>
-                  <a:srgbClr val="FFFFFF"/>
-                </a:highlight>
-                <a:latin typeface="Amazon Ember"/>
-              </a:rPr>
-              <a:t> </a:t>
-            </a:r>
-            <a:r>
-              <a:rPr lang="en-US" b="0" i="0" u="none" strike="noStrike" dirty="0" err="1">
-                <a:solidFill>
-                  <a:srgbClr val="16191F"/>
-                </a:solidFill>
-                <a:effectLst/>
-                <a:highlight>
-                  <a:srgbClr val="FFFFFF"/>
-                </a:highlight>
-                <a:latin typeface="Amazon Ember"/>
-              </a:rPr>
-              <a:t>controle</a:t>
-            </a:r>
-            <a:r>
-              <a:rPr lang="en-US" b="0" i="0" u="none" strike="noStrike" dirty="0">
-                <a:solidFill>
-                  <a:srgbClr val="16191F"/>
-                </a:solidFill>
-                <a:effectLst/>
-                <a:highlight>
-                  <a:srgbClr val="FFFFFF"/>
-                </a:highlight>
-                <a:latin typeface="Amazon Ember"/>
-              </a:rPr>
-              <a:t> central </a:t>
-            </a:r>
-            <a:r>
-              <a:rPr lang="en-US" b="0" i="0" u="none" strike="noStrike" dirty="0" err="1">
-                <a:solidFill>
-                  <a:srgbClr val="16191F"/>
-                </a:solidFill>
-                <a:effectLst/>
-                <a:highlight>
-                  <a:srgbClr val="FFFFFF"/>
-                </a:highlight>
-                <a:latin typeface="Amazon Ember"/>
-              </a:rPr>
-              <a:t>sobre</a:t>
-            </a:r>
-            <a:r>
-              <a:rPr lang="en-US" b="0" i="0" u="none" strike="noStrike" dirty="0">
-                <a:solidFill>
-                  <a:srgbClr val="16191F"/>
-                </a:solidFill>
-                <a:effectLst/>
-                <a:highlight>
-                  <a:srgbClr val="FFFFFF"/>
-                </a:highlight>
-                <a:latin typeface="Amazon Ember"/>
-              </a:rPr>
-              <a:t> o </a:t>
-            </a:r>
-            <a:r>
-              <a:rPr lang="en-US" b="0" i="0" u="none" strike="noStrike" dirty="0" err="1">
-                <a:solidFill>
-                  <a:srgbClr val="16191F"/>
-                </a:solidFill>
-                <a:effectLst/>
-                <a:highlight>
-                  <a:srgbClr val="FFFFFF"/>
-                </a:highlight>
-                <a:latin typeface="Amazon Ember"/>
-              </a:rPr>
-              <a:t>máximo</a:t>
-            </a:r>
-            <a:r>
-              <a:rPr lang="en-US" b="0" i="0" u="none" strike="noStrike" dirty="0">
-                <a:solidFill>
-                  <a:srgbClr val="16191F"/>
-                </a:solidFill>
-                <a:effectLst/>
-                <a:highlight>
-                  <a:srgbClr val="FFFFFF"/>
-                </a:highlight>
-                <a:latin typeface="Amazon Ember"/>
-              </a:rPr>
-              <a:t> de </a:t>
-            </a:r>
-            <a:r>
-              <a:rPr lang="en-US" b="0" i="0" u="none" strike="noStrike" dirty="0" err="1">
-                <a:solidFill>
-                  <a:srgbClr val="16191F"/>
-                </a:solidFill>
-                <a:effectLst/>
-                <a:highlight>
-                  <a:srgbClr val="FFFFFF"/>
-                </a:highlight>
-                <a:latin typeface="Amazon Ember"/>
-              </a:rPr>
-              <a:t>permissões</a:t>
-            </a:r>
-            <a:r>
-              <a:rPr lang="en-US" b="0" i="0" u="none" strike="noStrike" dirty="0">
-                <a:solidFill>
-                  <a:srgbClr val="16191F"/>
-                </a:solidFill>
-                <a:effectLst/>
-                <a:highlight>
-                  <a:srgbClr val="FFFFFF"/>
-                </a:highlight>
-                <a:latin typeface="Amazon Ember"/>
-              </a:rPr>
-              <a:t> </a:t>
-            </a:r>
-            <a:r>
-              <a:rPr lang="en-US" b="0" i="0" u="none" strike="noStrike" dirty="0" err="1">
-                <a:solidFill>
-                  <a:srgbClr val="16191F"/>
-                </a:solidFill>
-                <a:effectLst/>
-                <a:highlight>
-                  <a:srgbClr val="FFFFFF"/>
-                </a:highlight>
-                <a:latin typeface="Amazon Ember"/>
-              </a:rPr>
-              <a:t>disponíveis</a:t>
-            </a:r>
-            <a:r>
-              <a:rPr lang="en-US" b="0" i="0" u="none" strike="noStrike" dirty="0">
-                <a:solidFill>
-                  <a:srgbClr val="16191F"/>
-                </a:solidFill>
-                <a:effectLst/>
-                <a:highlight>
-                  <a:srgbClr val="FFFFFF"/>
-                </a:highlight>
-                <a:latin typeface="Amazon Ember"/>
-              </a:rPr>
-              <a:t> para </a:t>
-            </a:r>
-            <a:r>
-              <a:rPr lang="en-US" b="0" i="0" u="none" strike="noStrike" dirty="0" err="1">
-                <a:solidFill>
-                  <a:srgbClr val="16191F"/>
-                </a:solidFill>
-                <a:effectLst/>
-                <a:highlight>
-                  <a:srgbClr val="FFFFFF"/>
-                </a:highlight>
-                <a:latin typeface="Amazon Ember"/>
-              </a:rPr>
-              <a:t>os</a:t>
-            </a:r>
-            <a:r>
-              <a:rPr lang="en-US" b="0" i="0" u="none" strike="noStrike" dirty="0">
-                <a:solidFill>
-                  <a:srgbClr val="16191F"/>
-                </a:solidFill>
-                <a:effectLst/>
-                <a:highlight>
-                  <a:srgbClr val="FFFFFF"/>
-                </a:highlight>
-                <a:latin typeface="Amazon Ember"/>
-              </a:rPr>
-              <a:t> </a:t>
-            </a:r>
-            <a:r>
-              <a:rPr lang="en-US" b="0" i="0" u="none" strike="noStrike" dirty="0" err="1">
-                <a:solidFill>
-                  <a:srgbClr val="16191F"/>
-                </a:solidFill>
-                <a:effectLst/>
-                <a:highlight>
-                  <a:srgbClr val="FFFFFF"/>
-                </a:highlight>
-                <a:latin typeface="Amazon Ember"/>
-              </a:rPr>
-              <a:t>usuários</a:t>
-            </a:r>
-            <a:r>
-              <a:rPr lang="en-US" b="0" i="0" u="none" strike="noStrike" dirty="0">
-                <a:solidFill>
-                  <a:srgbClr val="16191F"/>
-                </a:solidFill>
-                <a:effectLst/>
-                <a:highlight>
-                  <a:srgbClr val="FFFFFF"/>
-                </a:highlight>
-                <a:latin typeface="Amazon Ember"/>
-              </a:rPr>
-              <a:t> e </a:t>
-            </a:r>
-            <a:r>
-              <a:rPr lang="en-US" b="0" i="0" u="none" strike="noStrike" dirty="0" err="1">
-                <a:solidFill>
-                  <a:srgbClr val="16191F"/>
-                </a:solidFill>
-                <a:effectLst/>
-                <a:highlight>
-                  <a:srgbClr val="FFFFFF"/>
-                </a:highlight>
-                <a:latin typeface="Amazon Ember"/>
-              </a:rPr>
-              <a:t>funções</a:t>
-            </a:r>
-            <a:r>
-              <a:rPr lang="en-US" b="0" i="0" u="none" strike="noStrike" dirty="0">
-                <a:solidFill>
-                  <a:srgbClr val="16191F"/>
-                </a:solidFill>
-                <a:effectLst/>
-                <a:highlight>
-                  <a:srgbClr val="FFFFFF"/>
-                </a:highlight>
-                <a:latin typeface="Amazon Ember"/>
-              </a:rPr>
-              <a:t> do IAM </a:t>
-            </a:r>
-            <a:r>
-              <a:rPr lang="en-US" b="0" i="0" u="none" strike="noStrike" dirty="0" err="1">
-                <a:solidFill>
-                  <a:srgbClr val="16191F"/>
-                </a:solidFill>
-                <a:effectLst/>
-                <a:highlight>
-                  <a:srgbClr val="FFFFFF"/>
-                </a:highlight>
-                <a:latin typeface="Amazon Ember"/>
-              </a:rPr>
-              <a:t>na</a:t>
-            </a:r>
-            <a:r>
-              <a:rPr lang="en-US" b="0" i="0" u="none" strike="noStrike" dirty="0">
-                <a:solidFill>
-                  <a:srgbClr val="16191F"/>
-                </a:solidFill>
-                <a:effectLst/>
-                <a:highlight>
-                  <a:srgbClr val="FFFFFF"/>
-                </a:highlight>
-                <a:latin typeface="Amazon Ember"/>
-              </a:rPr>
-              <a:t> </a:t>
-            </a:r>
-            <a:r>
-              <a:rPr lang="en-US" b="0" i="0" u="none" strike="noStrike" dirty="0" err="1">
-                <a:solidFill>
-                  <a:srgbClr val="16191F"/>
-                </a:solidFill>
-                <a:effectLst/>
-                <a:highlight>
-                  <a:srgbClr val="FFFFFF"/>
-                </a:highlight>
-                <a:latin typeface="Amazon Ember"/>
-              </a:rPr>
-              <a:t>sua</a:t>
-            </a:r>
-            <a:r>
-              <a:rPr lang="en-US" b="0" i="0" u="none" strike="noStrike" dirty="0">
-                <a:solidFill>
-                  <a:srgbClr val="16191F"/>
-                </a:solidFill>
-                <a:effectLst/>
-                <a:highlight>
-                  <a:srgbClr val="FFFFFF"/>
-                </a:highlight>
-                <a:latin typeface="Amazon Ember"/>
-              </a:rPr>
-              <a:t> </a:t>
-            </a:r>
-            <a:r>
-              <a:rPr lang="en-US" b="0" i="0" u="none" strike="noStrike" dirty="0" err="1">
-                <a:solidFill>
-                  <a:srgbClr val="16191F"/>
-                </a:solidFill>
-                <a:effectLst/>
-                <a:highlight>
-                  <a:srgbClr val="FFFFFF"/>
-                </a:highlight>
-                <a:latin typeface="Amazon Ember"/>
-              </a:rPr>
-              <a:t>organização</a:t>
-            </a:r>
-            <a:r>
-              <a:rPr lang="en-US" b="0" i="0" u="none" strike="noStrike" dirty="0">
-                <a:solidFill>
-                  <a:srgbClr val="16191F"/>
-                </a:solidFill>
-                <a:effectLst/>
-                <a:highlight>
-                  <a:srgbClr val="FFFFFF"/>
-                </a:highlight>
-                <a:latin typeface="Amazon Ember"/>
-              </a:rPr>
-              <a:t>. As SCPs </a:t>
-            </a:r>
-            <a:r>
-              <a:rPr lang="en-US" b="0" i="0" u="none" strike="noStrike" dirty="0" err="1">
-                <a:solidFill>
-                  <a:srgbClr val="16191F"/>
-                </a:solidFill>
-                <a:effectLst/>
-                <a:highlight>
-                  <a:srgbClr val="FFFFFF"/>
-                </a:highlight>
-                <a:latin typeface="Amazon Ember"/>
-              </a:rPr>
-              <a:t>ajudam</a:t>
-            </a:r>
-            <a:r>
-              <a:rPr lang="en-US" b="0" i="0" u="none" strike="noStrike" dirty="0">
-                <a:solidFill>
-                  <a:srgbClr val="16191F"/>
-                </a:solidFill>
-                <a:effectLst/>
-                <a:highlight>
-                  <a:srgbClr val="FFFFFF"/>
-                </a:highlight>
-                <a:latin typeface="Amazon Ember"/>
-              </a:rPr>
-              <a:t> você a </a:t>
-            </a:r>
-            <a:r>
-              <a:rPr lang="en-US" b="0" i="0" u="none" strike="noStrike" dirty="0" err="1">
-                <a:solidFill>
-                  <a:srgbClr val="16191F"/>
-                </a:solidFill>
-                <a:effectLst/>
-                <a:highlight>
-                  <a:srgbClr val="FFFFFF"/>
-                </a:highlight>
-                <a:latin typeface="Amazon Ember"/>
-              </a:rPr>
-              <a:t>garantir</a:t>
-            </a:r>
-            <a:r>
-              <a:rPr lang="en-US" b="0" i="0" u="none" strike="noStrike" dirty="0">
-                <a:solidFill>
-                  <a:srgbClr val="16191F"/>
-                </a:solidFill>
-                <a:effectLst/>
-                <a:highlight>
-                  <a:srgbClr val="FFFFFF"/>
-                </a:highlight>
-                <a:latin typeface="Amazon Ember"/>
-              </a:rPr>
-              <a:t> que as </a:t>
-            </a:r>
-            <a:r>
-              <a:rPr lang="en-US" b="0" i="0" u="none" strike="noStrike" dirty="0" err="1">
-                <a:solidFill>
-                  <a:srgbClr val="16191F"/>
-                </a:solidFill>
-                <a:effectLst/>
-                <a:highlight>
-                  <a:srgbClr val="FFFFFF"/>
-                </a:highlight>
-                <a:latin typeface="Amazon Ember"/>
-              </a:rPr>
-              <a:t>suas</a:t>
-            </a:r>
-            <a:r>
-              <a:rPr lang="en-US" b="0" i="0" u="none" strike="noStrike" dirty="0">
-                <a:solidFill>
-                  <a:srgbClr val="16191F"/>
-                </a:solidFill>
-                <a:effectLst/>
-                <a:highlight>
-                  <a:srgbClr val="FFFFFF"/>
-                </a:highlight>
-                <a:latin typeface="Amazon Ember"/>
-              </a:rPr>
-              <a:t> </a:t>
-            </a:r>
-            <a:r>
-              <a:rPr lang="en-US" b="0" i="0" u="none" strike="noStrike" dirty="0" err="1">
-                <a:solidFill>
-                  <a:srgbClr val="16191F"/>
-                </a:solidFill>
-                <a:effectLst/>
-                <a:highlight>
-                  <a:srgbClr val="FFFFFF"/>
-                </a:highlight>
-                <a:latin typeface="Amazon Ember"/>
-              </a:rPr>
-              <a:t>contas</a:t>
-            </a:r>
-            <a:r>
-              <a:rPr lang="en-US" b="0" i="0" u="none" strike="noStrike" dirty="0">
-                <a:solidFill>
-                  <a:srgbClr val="16191F"/>
-                </a:solidFill>
-                <a:effectLst/>
-                <a:highlight>
-                  <a:srgbClr val="FFFFFF"/>
-                </a:highlight>
-                <a:latin typeface="Amazon Ember"/>
-              </a:rPr>
-              <a:t> </a:t>
-            </a:r>
-            <a:r>
-              <a:rPr lang="en-US" b="0" i="0" u="none" strike="noStrike" dirty="0" err="1">
-                <a:solidFill>
-                  <a:srgbClr val="16191F"/>
-                </a:solidFill>
-                <a:effectLst/>
-                <a:highlight>
-                  <a:srgbClr val="FFFFFF"/>
-                </a:highlight>
-                <a:latin typeface="Amazon Ember"/>
-              </a:rPr>
-              <a:t>permaneçam</a:t>
-            </a:r>
-            <a:r>
-              <a:rPr lang="en-US" b="0" i="0" u="none" strike="noStrike" dirty="0">
-                <a:solidFill>
-                  <a:srgbClr val="16191F"/>
-                </a:solidFill>
-                <a:effectLst/>
-                <a:highlight>
-                  <a:srgbClr val="FFFFFF"/>
-                </a:highlight>
-                <a:latin typeface="Amazon Ember"/>
-              </a:rPr>
-              <a:t> </a:t>
-            </a:r>
-            <a:r>
-              <a:rPr lang="en-US" b="0" i="0" u="none" strike="noStrike" dirty="0" err="1">
-                <a:solidFill>
-                  <a:srgbClr val="16191F"/>
-                </a:solidFill>
-                <a:effectLst/>
-                <a:highlight>
-                  <a:srgbClr val="FFFFFF"/>
-                </a:highlight>
-                <a:latin typeface="Amazon Ember"/>
-              </a:rPr>
-              <a:t>dentro</a:t>
-            </a:r>
-            <a:r>
-              <a:rPr lang="en-US" b="0" i="0" u="none" strike="noStrike" dirty="0">
-                <a:solidFill>
-                  <a:srgbClr val="16191F"/>
-                </a:solidFill>
-                <a:effectLst/>
-                <a:highlight>
-                  <a:srgbClr val="FFFFFF"/>
-                </a:highlight>
-                <a:latin typeface="Amazon Ember"/>
-              </a:rPr>
-              <a:t> das </a:t>
-            </a:r>
-            <a:r>
-              <a:rPr lang="en-US" b="0" i="0" u="none" strike="noStrike" dirty="0" err="1">
-                <a:solidFill>
-                  <a:srgbClr val="16191F"/>
-                </a:solidFill>
-                <a:effectLst/>
-                <a:highlight>
-                  <a:srgbClr val="FFFFFF"/>
-                </a:highlight>
-                <a:latin typeface="Amazon Ember"/>
-              </a:rPr>
-              <a:t>diretrizes</a:t>
-            </a:r>
-            <a:r>
-              <a:rPr lang="en-US" b="0" i="0" u="none" strike="noStrike" dirty="0">
-                <a:solidFill>
-                  <a:srgbClr val="16191F"/>
-                </a:solidFill>
-                <a:effectLst/>
-                <a:highlight>
-                  <a:srgbClr val="FFFFFF"/>
-                </a:highlight>
-                <a:latin typeface="Amazon Ember"/>
-              </a:rPr>
-              <a:t> de </a:t>
-            </a:r>
-            <a:r>
-              <a:rPr lang="en-US" b="0" i="0" u="none" strike="noStrike" dirty="0" err="1">
-                <a:solidFill>
-                  <a:srgbClr val="16191F"/>
-                </a:solidFill>
-                <a:effectLst/>
-                <a:highlight>
-                  <a:srgbClr val="FFFFFF"/>
-                </a:highlight>
-                <a:latin typeface="Amazon Ember"/>
-              </a:rPr>
-              <a:t>controle</a:t>
-            </a:r>
-            <a:r>
-              <a:rPr lang="en-US" b="0" i="0" u="none" strike="noStrike" dirty="0">
-                <a:solidFill>
-                  <a:srgbClr val="16191F"/>
-                </a:solidFill>
-                <a:effectLst/>
-                <a:highlight>
-                  <a:srgbClr val="FFFFFF"/>
-                </a:highlight>
-                <a:latin typeface="Amazon Ember"/>
-              </a:rPr>
-              <a:t> de </a:t>
-            </a:r>
-            <a:r>
-              <a:rPr lang="en-US" b="0" i="0" u="none" strike="noStrike" dirty="0" err="1">
-                <a:solidFill>
-                  <a:srgbClr val="16191F"/>
-                </a:solidFill>
-                <a:effectLst/>
-                <a:highlight>
-                  <a:srgbClr val="FFFFFF"/>
-                </a:highlight>
-                <a:latin typeface="Amazon Ember"/>
-              </a:rPr>
-              <a:t>acesso</a:t>
-            </a:r>
-            <a:r>
-              <a:rPr lang="en-US" b="0" i="0" u="none" strike="noStrike" dirty="0">
-                <a:solidFill>
-                  <a:srgbClr val="16191F"/>
-                </a:solidFill>
-                <a:effectLst/>
-                <a:highlight>
-                  <a:srgbClr val="FFFFFF"/>
-                </a:highlight>
-                <a:latin typeface="Amazon Ember"/>
-              </a:rPr>
-              <a:t> da </a:t>
-            </a:r>
-            <a:r>
-              <a:rPr lang="en-US" b="0" i="0" u="none" strike="noStrike" dirty="0" err="1">
-                <a:solidFill>
-                  <a:srgbClr val="16191F"/>
-                </a:solidFill>
-                <a:effectLst/>
-                <a:highlight>
-                  <a:srgbClr val="FFFFFF"/>
-                </a:highlight>
-                <a:latin typeface="Amazon Ember"/>
-              </a:rPr>
-              <a:t>sua</a:t>
-            </a:r>
-            <a:r>
-              <a:rPr lang="en-US" b="0" i="0" u="none" strike="noStrike" dirty="0">
-                <a:solidFill>
-                  <a:srgbClr val="16191F"/>
-                </a:solidFill>
-                <a:effectLst/>
-                <a:highlight>
-                  <a:srgbClr val="FFFFFF"/>
-                </a:highlight>
-                <a:latin typeface="Amazon Ember"/>
-              </a:rPr>
-              <a:t> </a:t>
-            </a:r>
-            <a:r>
-              <a:rPr lang="en-US" b="0" i="0" u="none" strike="noStrike" dirty="0" err="1">
-                <a:solidFill>
-                  <a:srgbClr val="16191F"/>
-                </a:solidFill>
-                <a:effectLst/>
-                <a:highlight>
-                  <a:srgbClr val="FFFFFF"/>
-                </a:highlight>
-                <a:latin typeface="Amazon Ember"/>
-              </a:rPr>
-              <a:t>organização</a:t>
-            </a:r>
-            <a:r>
-              <a:rPr lang="en-US" b="0" i="0" u="none" strike="noStrike" dirty="0">
-                <a:solidFill>
-                  <a:srgbClr val="16191F"/>
-                </a:solidFill>
-                <a:effectLst/>
-                <a:highlight>
-                  <a:srgbClr val="FFFFFF"/>
-                </a:highlight>
-                <a:latin typeface="Amazon Ember"/>
-              </a:rPr>
-              <a:t>. ”</a:t>
+              <a:t>”</a:t>
             </a:r>
             <a:endParaRPr lang="en-BR" dirty="0"/>
           </a:p>
@@ -13152,7 +12112,7 @@
         </p:nvSpPr>
         <p:spPr>
           <a:xfrm>
-            <a:off x="3045881" y="4405426"/>
+            <a:off x="3253671" y="4328575"/>
             <a:ext cx="5778500" cy="674575"/>
           </a:xfrm>
           <a:prstGeom prst="roundRect">
@@ -13238,98 +12198,6 @@
           </a:extLst>
         </p:spPr>
       </p:pic>
-      <p:sp>
-        <p:nvSpPr>
-          <p:cNvPr id="5" name="Rounded Rectangle 4">
-            <a:extLst>
-              <a:ext uri="{FF2B5EF4-FFF2-40B4-BE49-F238E27FC236}">
-                <a16:creationId xmlns:a16="http://schemas.microsoft.com/office/drawing/2014/main" id="{FE763E5A-78D4-9F12-BB0B-5F0F26F0449B}"/>
-              </a:ext>
-            </a:extLst>
-          </p:cNvPr>
-          <p:cNvSpPr/>
-          <p:nvPr/>
-        </p:nvSpPr>
-        <p:spPr>
-          <a:xfrm>
-            <a:off x="8068731" y="1005699"/>
-            <a:ext cx="3945468" cy="1168401"/>
-          </a:xfrm>
-          <a:prstGeom prst="roundRect">
-            <a:avLst/>
-          </a:prstGeom>
-        </p:spPr>
-        <p:style>
-          <a:lnRef idx="2">
-            <a:schemeClr val="accent1">
-              <a:shade val="15000"/>
-            </a:schemeClr>
-          </a:lnRef>
-          <a:fillRef idx="1">
-            <a:schemeClr val="accent1"/>
-          </a:fillRef>
-          <a:effectRef idx="0">
-            <a:schemeClr val="accent1"/>
-          </a:effectRef>
-          <a:fontRef idx="minor">
-            <a:schemeClr val="lt1"/>
-          </a:fontRef>
-        </p:style>
-        <p:txBody>
-          <a:bodyPr rtlCol="0" anchor="ctr"/>
-          <a:lstStyle/>
-          <a:p>
-            <a:pPr algn="ctr"/>
-            <a:r>
-              <a:rPr lang="en-BR" sz="1600" dirty="0"/>
-              <a:t> - Pergunta (estudo comparativo): quais as principais diferenças entre criar um usuário com as permissões para alguém executar uma ação ou utilizar o STS?</a:t>
-            </a:r>
-          </a:p>
-        </p:txBody>
-      </p:sp>
-      <p:cxnSp>
-        <p:nvCxnSpPr>
-          <p:cNvPr id="7" name="Straight Arrow Connector 6">
-            <a:extLst>
-              <a:ext uri="{FF2B5EF4-FFF2-40B4-BE49-F238E27FC236}">
-                <a16:creationId xmlns:a16="http://schemas.microsoft.com/office/drawing/2014/main" id="{2693C4B3-0D22-3DFD-7813-AF5A9276E06B}"/>
-              </a:ext>
-            </a:extLst>
-          </p:cNvPr>
-          <p:cNvCxnSpPr>
-            <a:cxnSpLocks/>
-            <a:stCxn id="4" idx="3"/>
-            <a:endCxn id="5" idx="1"/>
-          </p:cNvCxnSpPr>
-          <p:nvPr/>
-        </p:nvCxnSpPr>
-        <p:spPr>
-          <a:xfrm flipV="1">
-            <a:off x="6235697" y="1589900"/>
-            <a:ext cx="1833034" cy="1741752"/>
-          </a:xfrm>
-          <a:prstGeom prst="straightConnector1">
-            <a:avLst/>
-          </a:prstGeom>
-          <a:ln>
-            <a:tailEnd type="triangle"/>
-          </a:ln>
-        </p:spPr>
-        <p:style>
-          <a:lnRef idx="2">
-            <a:schemeClr val="accent1"/>
-          </a:lnRef>
-          <a:fillRef idx="0">
-            <a:schemeClr val="accent1"/>
-          </a:fillRef>
-          <a:effectRef idx="1">
-            <a:schemeClr val="accent1"/>
-          </a:effectRef>
-          <a:fontRef idx="minor">
-            <a:schemeClr val="tx1"/>
-          </a:fontRef>
-        </p:style>
-      </p:cxnSp>
       <p:pic>
         <p:nvPicPr>
           <p:cNvPr id="10" name="Picture 9" descr="An orange circle with a white exclamation mark&#10;&#10;Description automatically generated">
@@ -13358,7 +12226,7 @@
         </p:blipFill>
         <p:spPr>
           <a:xfrm flipH="1">
-            <a:off x="8602441" y="4074122"/>
+            <a:off x="8810231" y="4074122"/>
             <a:ext cx="443879" cy="508906"/>
           </a:xfrm>
           <a:prstGeom prst="rect">
@@ -13366,102 +12234,6 @@
           </a:prstGeom>
         </p:spPr>
       </p:pic>
-      <p:sp>
-        <p:nvSpPr>
-          <p:cNvPr id="15" name="Rounded Rectangle 14">
-            <a:extLst>
-              <a:ext uri="{FF2B5EF4-FFF2-40B4-BE49-F238E27FC236}">
-                <a16:creationId xmlns:a16="http://schemas.microsoft.com/office/drawing/2014/main" id="{B4E097F5-0DBE-87A7-96E1-FC9BF7CB75F1}"/>
-              </a:ext>
-            </a:extLst>
-          </p:cNvPr>
-          <p:cNvSpPr/>
-          <p:nvPr/>
-        </p:nvSpPr>
-        <p:spPr>
-          <a:xfrm>
-            <a:off x="177799" y="976064"/>
-            <a:ext cx="5410199" cy="1168401"/>
-          </a:xfrm>
-          <a:prstGeom prst="roundRect">
-            <a:avLst/>
-          </a:prstGeom>
-        </p:spPr>
-        <p:style>
-          <a:lnRef idx="2">
-            <a:schemeClr val="accent1">
-              <a:shade val="15000"/>
-            </a:schemeClr>
-          </a:lnRef>
-          <a:fillRef idx="1">
-            <a:schemeClr val="accent1"/>
-          </a:fillRef>
-          <a:effectRef idx="0">
-            <a:schemeClr val="accent1"/>
-          </a:effectRef>
-          <a:fontRef idx="minor">
-            <a:schemeClr val="lt1"/>
-          </a:fontRef>
-        </p:style>
-        <p:txBody>
-          <a:bodyPr rtlCol="0" anchor="ctr"/>
-          <a:lstStyle/>
-          <a:p>
-            <a:pPr algn="ctr"/>
-            <a:r>
-              <a:rPr lang="en-BR" b="1" dirty="0"/>
-              <a:t>Dica: </a:t>
-            </a:r>
-            <a:r>
-              <a:rPr lang="en-BR" sz="1600" dirty="0"/>
-              <a:t>vamos tentar sempre perguntar o que há de comum e o que há de diferente entre os serviços. As diferenças de casos de uso geralmente são fontes de perguntas.</a:t>
-            </a:r>
-          </a:p>
-        </p:txBody>
-      </p:sp>
-      <p:cxnSp>
-        <p:nvCxnSpPr>
-          <p:cNvPr id="17" name="Straight Arrow Connector 16">
-            <a:extLst>
-              <a:ext uri="{FF2B5EF4-FFF2-40B4-BE49-F238E27FC236}">
-                <a16:creationId xmlns:a16="http://schemas.microsoft.com/office/drawing/2014/main" id="{98F7E167-7279-228B-8C38-774C9FE6046B}"/>
-              </a:ext>
-            </a:extLst>
-          </p:cNvPr>
-          <p:cNvCxnSpPr>
-            <a:cxnSpLocks/>
-            <a:stCxn id="4" idx="1"/>
-            <a:endCxn id="15" idx="2"/>
-          </p:cNvCxnSpPr>
-          <p:nvPr/>
-        </p:nvCxnSpPr>
-        <p:spPr>
-          <a:xfrm flipH="1" flipV="1">
-            <a:off x="2882899" y="2144465"/>
-            <a:ext cx="2751665" cy="1187187"/>
-          </a:xfrm>
-          <a:prstGeom prst="straightConnector1">
-            <a:avLst/>
-          </a:prstGeom>
-          <a:ln>
-            <a:tailEnd type="triangle"/>
-          </a:ln>
-        </p:spPr>
-        <p:style>
-          <a:lnRef idx="2">
-            <a:schemeClr val="accent1"/>
-          </a:lnRef>
-          <a:fillRef idx="0">
-            <a:schemeClr val="accent1"/>
-          </a:fillRef>
-          <a:effectRef idx="1">
-            <a:schemeClr val="accent1"/>
-          </a:effectRef>
-          <a:fontRef idx="minor">
-            <a:schemeClr val="tx1"/>
-          </a:fontRef>
-        </p:style>
-      </p:cxnSp>
     </p:spTree>
     <p:extLst>
       <p:ext uri="{BB962C8B-B14F-4D97-AF65-F5344CB8AC3E}">
